--- a/课程PPT/24.脚本化文档（扩展）.pptx
+++ b/课程PPT/24.脚本化文档（扩展）.pptx
@@ -5,38 +5,38 @@
     <p:sldMasterId id="2147483648" r:id="rId1"/>
   </p:sldMasterIdLst>
   <p:notesMasterIdLst>
-    <p:notesMasterId r:id="rId31"/>
+    <p:notesMasterId r:id="rId5"/>
   </p:notesMasterIdLst>
   <p:sldIdLst>
-    <p:sldId id="773" r:id="rId2"/>
-    <p:sldId id="1267" r:id="rId3"/>
-    <p:sldId id="1275" r:id="rId4"/>
-    <p:sldId id="1276" r:id="rId5"/>
-    <p:sldId id="1303" r:id="rId6"/>
-    <p:sldId id="1278" r:id="rId7"/>
-    <p:sldId id="1284" r:id="rId8"/>
-    <p:sldId id="1282" r:id="rId9"/>
-    <p:sldId id="1281" r:id="rId10"/>
-    <p:sldId id="1286" r:id="rId11"/>
-    <p:sldId id="1292" r:id="rId12"/>
-    <p:sldId id="1291" r:id="rId13"/>
-    <p:sldId id="1304" r:id="rId14"/>
-    <p:sldId id="1293" r:id="rId15"/>
-    <p:sldId id="1285" r:id="rId16"/>
-    <p:sldId id="1283" r:id="rId17"/>
-    <p:sldId id="1287" r:id="rId18"/>
-    <p:sldId id="1288" r:id="rId19"/>
-    <p:sldId id="1289" r:id="rId20"/>
-    <p:sldId id="1290" r:id="rId21"/>
-    <p:sldId id="1299" r:id="rId22"/>
-    <p:sldId id="1300" r:id="rId23"/>
-    <p:sldId id="1294" r:id="rId24"/>
-    <p:sldId id="1301" r:id="rId25"/>
-    <p:sldId id="1302" r:id="rId26"/>
-    <p:sldId id="1295" r:id="rId27"/>
-    <p:sldId id="1296" r:id="rId28"/>
-    <p:sldId id="1297" r:id="rId29"/>
-    <p:sldId id="1298" r:id="rId30"/>
+    <p:sldId id="773" r:id="rId3"/>
+    <p:sldId id="1267" r:id="rId4"/>
+    <p:sldId id="1275" r:id="rId6"/>
+    <p:sldId id="1276" r:id="rId7"/>
+    <p:sldId id="1303" r:id="rId8"/>
+    <p:sldId id="1278" r:id="rId9"/>
+    <p:sldId id="1284" r:id="rId10"/>
+    <p:sldId id="1282" r:id="rId11"/>
+    <p:sldId id="1281" r:id="rId12"/>
+    <p:sldId id="1286" r:id="rId13"/>
+    <p:sldId id="1292" r:id="rId14"/>
+    <p:sldId id="1291" r:id="rId15"/>
+    <p:sldId id="1304" r:id="rId16"/>
+    <p:sldId id="1293" r:id="rId17"/>
+    <p:sldId id="1285" r:id="rId18"/>
+    <p:sldId id="1283" r:id="rId19"/>
+    <p:sldId id="1287" r:id="rId20"/>
+    <p:sldId id="1288" r:id="rId21"/>
+    <p:sldId id="1289" r:id="rId22"/>
+    <p:sldId id="1290" r:id="rId23"/>
+    <p:sldId id="1299" r:id="rId24"/>
+    <p:sldId id="1300" r:id="rId25"/>
+    <p:sldId id="1294" r:id="rId26"/>
+    <p:sldId id="1301" r:id="rId27"/>
+    <p:sldId id="1302" r:id="rId28"/>
+    <p:sldId id="1295" r:id="rId29"/>
+    <p:sldId id="1296" r:id="rId30"/>
+    <p:sldId id="1297" r:id="rId31"/>
+    <p:sldId id="1298" r:id="rId32"/>
   </p:sldIdLst>
   <p:sldSz cx="12192000" cy="6858000"/>
   <p:notesSz cx="6797675" cy="9928225"/>
@@ -355,6 +355,7 @@
               <a:rPr lang="zh-CN" altLang="zh-CN" noProof="0" smtClean="0"/>
               <a:t>                                                   </a:t>
             </a:r>
+            <a:endParaRPr lang="zh-CN" altLang="zh-CN" noProof="0" smtClean="0"/>
           </a:p>
           <a:p>
             <a:pPr lvl="1"/>
@@ -362,6 +363,7 @@
               <a:rPr lang="zh-CN" altLang="zh-CN" noProof="0" smtClean="0"/>
               <a:t>               </a:t>
             </a:r>
+            <a:endParaRPr lang="zh-CN" altLang="zh-CN" noProof="0" smtClean="0"/>
           </a:p>
           <a:p>
             <a:pPr lvl="2"/>
@@ -369,6 +371,7 @@
               <a:rPr lang="zh-CN" altLang="zh-CN" noProof="0" smtClean="0"/>
               <a:t>                </a:t>
             </a:r>
+            <a:endParaRPr lang="zh-CN" altLang="zh-CN" noProof="0" smtClean="0"/>
           </a:p>
           <a:p>
             <a:pPr lvl="3"/>
@@ -376,6 +379,7 @@
               <a:rPr lang="zh-CN" altLang="zh-CN" noProof="0" smtClean="0"/>
               <a:t>                </a:t>
             </a:r>
+            <a:endParaRPr lang="zh-CN" altLang="zh-CN" noProof="0" smtClean="0"/>
           </a:p>
           <a:p>
             <a:pPr lvl="4"/>
@@ -383,6 +387,7 @@
               <a:rPr lang="zh-CN" altLang="zh-CN" noProof="0" smtClean="0"/>
               <a:t>                </a:t>
             </a:r>
+            <a:endParaRPr lang="zh-CN" altLang="zh-CN" noProof="0" smtClean="0"/>
           </a:p>
         </p:txBody>
       </p:sp>
@@ -465,18 +470,12 @@
           <a:p>
             <a:fld id="{D9AFD278-84AA-4CAA-9049-809825956FE0}" type="slidenum">
               <a:rPr lang="en-US" altLang="zh-CN"/>
-              <a:t>‹#›</a:t>
             </a:fld>
             <a:endParaRPr lang="zh-CN" altLang="zh-CN"/>
           </a:p>
         </p:txBody>
       </p:sp>
     </p:spTree>
-    <p:extLst>
-      <p:ext uri="{BB962C8B-B14F-4D97-AF65-F5344CB8AC3E}">
-        <p14:creationId xmlns:p14="http://schemas.microsoft.com/office/powerpoint/2010/main" val="4243665842"/>
-      </p:ext>
-    </p:extLst>
   </p:cSld>
   <p:clrMap bg1="lt1" tx1="dk1" bg2="lt2" tx2="dk2" accent1="accent1" accent2="accent2" accent3="accent3" accent4="accent4" accent5="accent5" accent6="accent6" hlink="hlink" folHlink="folHlink"/>
   <p:notesStyle>
@@ -731,7 +730,6 @@
             </a:pPr>
             <a:fld id="{50FA7BE5-9B7D-4F20-881C-9A0B90E6FF72}" type="slidenum">
               <a:rPr lang="zh-CN" altLang="zh-CN" smtClean="0"/>
-              <a:t>3</a:t>
             </a:fld>
             <a:endParaRPr lang="zh-CN" altLang="zh-CN"/>
           </a:p>
@@ -816,7 +814,6 @@
             </a:pPr>
             <a:fld id="{50FA7BE5-9B7D-4F20-881C-9A0B90E6FF72}" type="slidenum">
               <a:rPr lang="zh-CN" altLang="zh-CN" smtClean="0"/>
-              <a:t>4</a:t>
             </a:fld>
             <a:endParaRPr lang="zh-CN" altLang="zh-CN"/>
           </a:p>
@@ -895,18 +892,12 @@
           <a:p>
             <a:fld id="{D9AFD278-84AA-4CAA-9049-809825956FE0}" type="slidenum">
               <a:rPr lang="en-US" altLang="zh-CN" smtClean="0"/>
-              <a:t>8</a:t>
             </a:fld>
             <a:endParaRPr lang="zh-CN" altLang="zh-CN"/>
           </a:p>
         </p:txBody>
       </p:sp>
     </p:spTree>
-    <p:extLst>
-      <p:ext uri="{BB962C8B-B14F-4D97-AF65-F5344CB8AC3E}">
-        <p14:creationId xmlns:p14="http://schemas.microsoft.com/office/powerpoint/2010/main" val="1670534884"/>
-      </p:ext>
-    </p:extLst>
   </p:cSld>
   <p:clrMapOvr>
     <a:masterClrMapping/>
@@ -1040,6 +1031,7 @@
               <a:rPr lang="zh-CN" altLang="en-US" dirty="0" smtClean="0"/>
               <a:t>单击此处编辑母版文本样式</a:t>
             </a:r>
+            <a:endParaRPr lang="zh-CN" altLang="en-US" dirty="0" smtClean="0"/>
           </a:p>
           <a:p>
             <a:pPr lvl="1"/>
@@ -1047,6 +1039,7 @@
               <a:rPr lang="zh-CN" altLang="en-US" dirty="0" smtClean="0"/>
               <a:t>第二级</a:t>
             </a:r>
+            <a:endParaRPr lang="zh-CN" altLang="en-US" dirty="0" smtClean="0"/>
           </a:p>
           <a:p>
             <a:pPr lvl="2"/>
@@ -1054,6 +1047,7 @@
               <a:rPr lang="zh-CN" altLang="en-US" dirty="0" smtClean="0"/>
               <a:t>第三级</a:t>
             </a:r>
+            <a:endParaRPr lang="zh-CN" altLang="en-US" dirty="0" smtClean="0"/>
           </a:p>
           <a:p>
             <a:pPr lvl="3"/>
@@ -1061,6 +1055,7 @@
               <a:rPr lang="zh-CN" altLang="en-US" dirty="0" smtClean="0"/>
               <a:t>第四级</a:t>
             </a:r>
+            <a:endParaRPr lang="zh-CN" altLang="en-US" dirty="0" smtClean="0"/>
           </a:p>
         </p:txBody>
       </p:sp>
@@ -1122,6 +1117,7 @@
               <a:rPr lang="zh-CN" altLang="en-US" dirty="0" smtClean="0"/>
               <a:t>单击此处编辑母版文本样式</a:t>
             </a:r>
+            <a:endParaRPr lang="zh-CN" altLang="en-US" dirty="0" smtClean="0"/>
           </a:p>
         </p:txBody>
       </p:sp>
@@ -1178,7 +1174,6 @@
           <a:p>
             <a:fld id="{2030C94F-1E7C-47E3-9C60-176A530B03BF}" type="slidenum">
               <a:rPr lang="en-US" altLang="zh-CN"/>
-              <a:t>‹#›</a:t>
             </a:fld>
             <a:endParaRPr lang="zh-CN" altLang="zh-CN" sz="3200" b="0"/>
           </a:p>
@@ -1269,6 +1264,7 @@
               <a:rPr lang="zh-CN" altLang="en-US" dirty="0" smtClean="0"/>
               <a:t>单击此处编辑母版文本样式</a:t>
             </a:r>
+            <a:endParaRPr lang="zh-CN" altLang="en-US" dirty="0" smtClean="0"/>
           </a:p>
           <a:p>
             <a:pPr lvl="1"/>
@@ -1276,6 +1272,7 @@
               <a:rPr lang="zh-CN" altLang="en-US" dirty="0" smtClean="0"/>
               <a:t>第二级</a:t>
             </a:r>
+            <a:endParaRPr lang="zh-CN" altLang="en-US" dirty="0" smtClean="0"/>
           </a:p>
           <a:p>
             <a:pPr lvl="2"/>
@@ -1283,6 +1280,7 @@
               <a:rPr lang="zh-CN" altLang="en-US" dirty="0" smtClean="0"/>
               <a:t>第三级</a:t>
             </a:r>
+            <a:endParaRPr lang="zh-CN" altLang="en-US" dirty="0" smtClean="0"/>
           </a:p>
           <a:p>
             <a:pPr lvl="3"/>
@@ -1290,6 +1288,7 @@
               <a:rPr lang="zh-CN" altLang="en-US" dirty="0" smtClean="0"/>
               <a:t>第四级</a:t>
             </a:r>
+            <a:endParaRPr lang="zh-CN" altLang="en-US" dirty="0" smtClean="0"/>
           </a:p>
         </p:txBody>
       </p:sp>
@@ -1347,6 +1346,7 @@
               <a:rPr lang="zh-CN" altLang="en-US" dirty="0" smtClean="0"/>
               <a:t>单击此处编辑母版文本样式</a:t>
             </a:r>
+            <a:endParaRPr lang="zh-CN" altLang="en-US" dirty="0" smtClean="0"/>
           </a:p>
         </p:txBody>
       </p:sp>
@@ -1428,6 +1428,7 @@
               <a:rPr lang="zh-CN" altLang="en-US" dirty="0" smtClean="0"/>
               <a:t>单击此处编辑母版文本样式</a:t>
             </a:r>
+            <a:endParaRPr lang="zh-CN" altLang="en-US" dirty="0" smtClean="0"/>
           </a:p>
           <a:p>
             <a:pPr lvl="1"/>
@@ -1435,6 +1436,7 @@
               <a:rPr lang="zh-CN" altLang="en-US" dirty="0" smtClean="0"/>
               <a:t>第二级</a:t>
             </a:r>
+            <a:endParaRPr lang="zh-CN" altLang="en-US" dirty="0" smtClean="0"/>
           </a:p>
           <a:p>
             <a:pPr lvl="2"/>
@@ -1442,6 +1444,7 @@
               <a:rPr lang="zh-CN" altLang="en-US" dirty="0" smtClean="0"/>
               <a:t>第三级</a:t>
             </a:r>
+            <a:endParaRPr lang="zh-CN" altLang="en-US" dirty="0" smtClean="0"/>
           </a:p>
           <a:p>
             <a:pPr lvl="3"/>
@@ -1449,6 +1452,7 @@
               <a:rPr lang="zh-CN" altLang="en-US" dirty="0" smtClean="0"/>
               <a:t>第四级</a:t>
             </a:r>
+            <a:endParaRPr lang="zh-CN" altLang="en-US" dirty="0" smtClean="0"/>
           </a:p>
         </p:txBody>
       </p:sp>
@@ -1506,6 +1510,7 @@
               <a:rPr lang="zh-CN" altLang="en-US" dirty="0" smtClean="0"/>
               <a:t>单击此处编辑母版文本样式</a:t>
             </a:r>
+            <a:endParaRPr lang="zh-CN" altLang="en-US" dirty="0" smtClean="0"/>
           </a:p>
         </p:txBody>
       </p:sp>
@@ -1587,6 +1592,7 @@
               <a:rPr lang="zh-CN" altLang="en-US" dirty="0" smtClean="0"/>
               <a:t>单击此处编辑母版文本样式</a:t>
             </a:r>
+            <a:endParaRPr lang="zh-CN" altLang="en-US" dirty="0" smtClean="0"/>
           </a:p>
           <a:p>
             <a:pPr lvl="1"/>
@@ -1594,6 +1600,7 @@
               <a:rPr lang="zh-CN" altLang="en-US" dirty="0" smtClean="0"/>
               <a:t>第二级</a:t>
             </a:r>
+            <a:endParaRPr lang="zh-CN" altLang="en-US" dirty="0" smtClean="0"/>
           </a:p>
           <a:p>
             <a:pPr lvl="2"/>
@@ -1601,6 +1608,7 @@
               <a:rPr lang="zh-CN" altLang="en-US" dirty="0" smtClean="0"/>
               <a:t>第三级</a:t>
             </a:r>
+            <a:endParaRPr lang="zh-CN" altLang="en-US" dirty="0" smtClean="0"/>
           </a:p>
           <a:p>
             <a:pPr lvl="3"/>
@@ -1608,6 +1616,7 @@
               <a:rPr lang="zh-CN" altLang="en-US" dirty="0" smtClean="0"/>
               <a:t>第四级</a:t>
             </a:r>
+            <a:endParaRPr lang="zh-CN" altLang="en-US" dirty="0" smtClean="0"/>
           </a:p>
         </p:txBody>
       </p:sp>
@@ -1665,6 +1674,7 @@
               <a:rPr lang="zh-CN" altLang="en-US" dirty="0" smtClean="0"/>
               <a:t>单击此处编辑母版文本样式</a:t>
             </a:r>
+            <a:endParaRPr lang="zh-CN" altLang="en-US" dirty="0" smtClean="0"/>
           </a:p>
         </p:txBody>
       </p:sp>
@@ -1746,6 +1756,7 @@
               <a:rPr lang="zh-CN" altLang="en-US" dirty="0" smtClean="0"/>
               <a:t>单击此处编辑母版文本样式</a:t>
             </a:r>
+            <a:endParaRPr lang="zh-CN" altLang="en-US" dirty="0" smtClean="0"/>
           </a:p>
           <a:p>
             <a:pPr lvl="1"/>
@@ -1753,6 +1764,7 @@
               <a:rPr lang="zh-CN" altLang="en-US" dirty="0" smtClean="0"/>
               <a:t>第二级</a:t>
             </a:r>
+            <a:endParaRPr lang="zh-CN" altLang="en-US" dirty="0" smtClean="0"/>
           </a:p>
           <a:p>
             <a:pPr lvl="2"/>
@@ -1760,6 +1772,7 @@
               <a:rPr lang="zh-CN" altLang="en-US" dirty="0" smtClean="0"/>
               <a:t>第三级</a:t>
             </a:r>
+            <a:endParaRPr lang="zh-CN" altLang="en-US" dirty="0" smtClean="0"/>
           </a:p>
           <a:p>
             <a:pPr lvl="3"/>
@@ -1767,6 +1780,7 @@
               <a:rPr lang="zh-CN" altLang="en-US" dirty="0" smtClean="0"/>
               <a:t>第四级</a:t>
             </a:r>
+            <a:endParaRPr lang="zh-CN" altLang="en-US" dirty="0" smtClean="0"/>
           </a:p>
         </p:txBody>
       </p:sp>
@@ -1824,6 +1838,7 @@
               <a:rPr lang="zh-CN" altLang="en-US" dirty="0" smtClean="0"/>
               <a:t>单击此处编辑母版文本样式</a:t>
             </a:r>
+            <a:endParaRPr lang="zh-CN" altLang="en-US" dirty="0" smtClean="0"/>
           </a:p>
         </p:txBody>
       </p:sp>
@@ -1905,6 +1920,7 @@
               <a:rPr lang="zh-CN" altLang="en-US" dirty="0" smtClean="0"/>
               <a:t>单击此处编辑母版文本样式</a:t>
             </a:r>
+            <a:endParaRPr lang="zh-CN" altLang="en-US" dirty="0" smtClean="0"/>
           </a:p>
           <a:p>
             <a:pPr lvl="1"/>
@@ -1912,6 +1928,7 @@
               <a:rPr lang="zh-CN" altLang="en-US" dirty="0" smtClean="0"/>
               <a:t>第二级</a:t>
             </a:r>
+            <a:endParaRPr lang="zh-CN" altLang="en-US" dirty="0" smtClean="0"/>
           </a:p>
           <a:p>
             <a:pPr lvl="2"/>
@@ -1919,6 +1936,7 @@
               <a:rPr lang="zh-CN" altLang="en-US" dirty="0" smtClean="0"/>
               <a:t>第三级</a:t>
             </a:r>
+            <a:endParaRPr lang="zh-CN" altLang="en-US" dirty="0" smtClean="0"/>
           </a:p>
           <a:p>
             <a:pPr lvl="3"/>
@@ -1926,6 +1944,7 @@
               <a:rPr lang="zh-CN" altLang="en-US" dirty="0" smtClean="0"/>
               <a:t>第四级</a:t>
             </a:r>
+            <a:endParaRPr lang="zh-CN" altLang="en-US" dirty="0" smtClean="0"/>
           </a:p>
         </p:txBody>
       </p:sp>
@@ -1983,6 +2002,7 @@
               <a:rPr lang="zh-CN" altLang="en-US" dirty="0" smtClean="0"/>
               <a:t>单击此处编辑母版文本样式</a:t>
             </a:r>
+            <a:endParaRPr lang="zh-CN" altLang="en-US" dirty="0" smtClean="0"/>
           </a:p>
         </p:txBody>
       </p:sp>
@@ -2076,6 +2096,7 @@
               <a:rPr lang="zh-CN" altLang="en-US" dirty="0" smtClean="0"/>
               <a:t>单击此处编辑母版文本样式</a:t>
             </a:r>
+            <a:endParaRPr lang="zh-CN" altLang="en-US" dirty="0" smtClean="0"/>
           </a:p>
           <a:p>
             <a:pPr lvl="1"/>
@@ -2083,6 +2104,7 @@
               <a:rPr lang="zh-CN" altLang="en-US" dirty="0" smtClean="0"/>
               <a:t>第二级</a:t>
             </a:r>
+            <a:endParaRPr lang="zh-CN" altLang="en-US" dirty="0" smtClean="0"/>
           </a:p>
           <a:p>
             <a:pPr lvl="2"/>
@@ -2090,6 +2112,7 @@
               <a:rPr lang="zh-CN" altLang="en-US" dirty="0" smtClean="0"/>
               <a:t>第三级</a:t>
             </a:r>
+            <a:endParaRPr lang="zh-CN" altLang="en-US" dirty="0" smtClean="0"/>
           </a:p>
           <a:p>
             <a:pPr lvl="3"/>
@@ -2097,6 +2120,7 @@
               <a:rPr lang="zh-CN" altLang="en-US" dirty="0" smtClean="0"/>
               <a:t>第四级</a:t>
             </a:r>
+            <a:endParaRPr lang="zh-CN" altLang="en-US" dirty="0" smtClean="0"/>
           </a:p>
         </p:txBody>
       </p:sp>
@@ -2158,6 +2182,7 @@
               <a:rPr lang="zh-CN" altLang="en-US" dirty="0" smtClean="0"/>
               <a:t>单击此处编辑母版文本样式</a:t>
             </a:r>
+            <a:endParaRPr lang="zh-CN" altLang="en-US" dirty="0" smtClean="0"/>
           </a:p>
         </p:txBody>
       </p:sp>
@@ -2182,7 +2207,7 @@
     <p:bg bwMode="auto">
       <p:bgPr>
         <a:blipFill dpi="0" rotWithShape="0">
-          <a:blip r:embed="rId10"/>
+          <a:blip r:embed="rId9"/>
           <a:srcRect/>
           <a:stretch>
             <a:fillRect/>
@@ -2241,7 +2266,6 @@
           <a:p>
             <a:fld id="{43A45880-9E2A-43E4-955C-AEB11E14255E}" type="slidenum">
               <a:rPr lang="en-US" altLang="zh-CN"/>
-              <a:t>‹#›</a:t>
             </a:fld>
             <a:endParaRPr lang="zh-CN" altLang="zh-CN"/>
           </a:p>
@@ -2256,7 +2280,7 @@
           <p:nvPr/>
         </p:nvPicPr>
         <p:blipFill>
-          <a:blip r:embed="rId11">
+          <a:blip r:embed="rId10">
             <a:extLst>
               <a:ext uri="{28A0092B-C50C-407E-A947-70E740481C1C}">
                 <a14:useLocalDpi xmlns:a14="http://schemas.microsoft.com/office/drawing/2010/main" val="0"/>
@@ -2310,7 +2334,7 @@
           <p:nvPr/>
         </p:nvPicPr>
         <p:blipFill>
-          <a:blip r:embed="rId12">
+          <a:blip r:embed="rId11">
             <a:extLst>
               <a:ext uri="{28A0092B-C50C-407E-A947-70E740481C1C}">
                 <a14:useLocalDpi xmlns:a14="http://schemas.microsoft.com/office/drawing/2010/main" val="0"/>
@@ -2362,11 +2386,11 @@
     <p:sldLayoutId id="2147483649" r:id="rId1"/>
     <p:sldLayoutId id="2147483650" r:id="rId2"/>
     <p:sldLayoutId id="2147483651" r:id="rId3"/>
-    <p:sldLayoutId id="2147483653" r:id="rId4"/>
-    <p:sldLayoutId id="2147483654" r:id="rId5"/>
-    <p:sldLayoutId id="2147483655" r:id="rId6"/>
-    <p:sldLayoutId id="2147483656" r:id="rId7"/>
-    <p:sldLayoutId id="2147483657" r:id="rId8"/>
+    <p:sldLayoutId id="2147483652" r:id="rId4"/>
+    <p:sldLayoutId id="2147483653" r:id="rId5"/>
+    <p:sldLayoutId id="2147483654" r:id="rId6"/>
+    <p:sldLayoutId id="2147483655" r:id="rId7"/>
+    <p:sldLayoutId id="2147483656" r:id="rId8"/>
   </p:sldLayoutIdLst>
   <p:timing>
     <p:tnLst>
@@ -2822,7 +2846,7 @@
           <p:nvPr/>
         </p:nvPicPr>
         <p:blipFill>
-          <a:blip r:embed="rId2">
+          <a:blip r:embed="rId1">
             <a:extLst>
               <a:ext uri="{28A0092B-C50C-407E-A947-70E740481C1C}">
                 <a14:useLocalDpi xmlns:a14="http://schemas.microsoft.com/office/drawing/2010/main" val="0"/>
@@ -2936,7 +2960,7 @@
           <p:nvPr/>
         </p:nvPicPr>
         <p:blipFill>
-          <a:blip r:embed="rId3">
+          <a:blip r:embed="rId2">
             <a:extLst>
               <a:ext uri="{28A0092B-C50C-407E-A947-70E740481C1C}">
                 <a14:useLocalDpi xmlns:a14="http://schemas.microsoft.com/office/drawing/2010/main" val="0"/>
@@ -3142,32 +3166,17 @@
               <a:t>---</a:t>
             </a:r>
             <a:r>
-              <a:rPr lang="en-US" altLang="zh-CN" dirty="0" smtClean="0">
+              <a:rPr smtClean="0">
                 <a:latin typeface="+mj-ea"/>
                 <a:ea typeface="+mj-ea"/>
                 <a:sym typeface="+mn-ea"/>
               </a:rPr>
-              <a:t>DOM</a:t>
-            </a:r>
-            <a:r>
-              <a:rPr lang="zh-CN" altLang="en-US" smtClean="0">
-                <a:latin typeface="+mj-ea"/>
-                <a:ea typeface="+mj-ea"/>
-                <a:sym typeface="+mn-ea"/>
-              </a:rPr>
-              <a:t>操作和</a:t>
-            </a:r>
-            <a:r>
-              <a:rPr lang="zh-CN" altLang="en-US" dirty="0" smtClean="0">
-                <a:latin typeface="+mj-ea"/>
-                <a:ea typeface="+mj-ea"/>
-                <a:sym typeface="+mn-ea"/>
-              </a:rPr>
-              <a:t>表单操作</a:t>
-            </a:r>
-            <a:endParaRPr lang="zh-CN" altLang="en-US" dirty="0">
+              <a:t>脚本化文档（扩展）</a:t>
+            </a:r>
+            <a:endParaRPr smtClean="0">
               <a:latin typeface="+mj-ea"/>
               <a:ea typeface="+mj-ea"/>
+              <a:sym typeface="+mn-ea"/>
             </a:endParaRPr>
           </a:p>
         </p:txBody>
@@ -3224,6 +3233,7 @@
               <a:rPr lang="zh-CN" altLang="en-US" dirty="0"/>
               <a:t>元素树和节点树的区别</a:t>
             </a:r>
+            <a:endParaRPr lang="zh-CN" altLang="en-US" dirty="0"/>
           </a:p>
           <a:p>
             <a:endParaRPr lang="zh-CN" altLang="en-US" dirty="0"/>
@@ -3381,6 +3391,11 @@
               </a:rPr>
               <a:t>&gt;</a:t>
             </a:r>
+            <a:endParaRPr lang="en-US" altLang="zh-CN" sz="2600" dirty="0" smtClean="0">
+              <a:solidFill>
+                <a:schemeClr val="tx1"/>
+              </a:solidFill>
+            </a:endParaRPr>
           </a:p>
           <a:p>
             <a:r>
@@ -3728,11 +3743,6 @@
         </p:txBody>
       </p:sp>
     </p:spTree>
-    <p:extLst>
-      <p:ext uri="{BB962C8B-B14F-4D97-AF65-F5344CB8AC3E}">
-        <p14:creationId xmlns:p14="http://schemas.microsoft.com/office/powerpoint/2010/main" val="246182999"/>
-      </p:ext>
-    </p:extLst>
   </p:cSld>
   <p:clrMapOvr>
     <a:masterClrMapping/>
@@ -3876,11 +3886,6 @@
         </p:txBody>
       </p:sp>
     </p:spTree>
-    <p:extLst>
-      <p:ext uri="{BB962C8B-B14F-4D97-AF65-F5344CB8AC3E}">
-        <p14:creationId xmlns:p14="http://schemas.microsoft.com/office/powerpoint/2010/main" val="2227976607"/>
-      </p:ext>
-    </p:extLst>
   </p:cSld>
   <p:clrMapOvr>
     <a:masterClrMapping/>
@@ -3920,11 +3925,6 @@
           </p:cNvGraphicFramePr>
           <p:nvPr>
             <p:ph sz="quarter" idx="10"/>
-            <p:extLst>
-              <p:ext uri="{D42A27DB-BD31-4B8C-83A1-F6EECF244321}">
-                <p14:modId xmlns:p14="http://schemas.microsoft.com/office/powerpoint/2010/main" val="2958211187"/>
-              </p:ext>
-            </p:extLst>
           </p:nvPr>
         </p:nvGraphicFramePr>
         <p:xfrm>
@@ -4054,6 +4054,10 @@
                         </a:rPr>
                         <a:t>)</a:t>
                       </a:r>
+                      <a:endParaRPr lang="en-US" altLang="zh-CN" dirty="0" smtClean="0">
+                        <a:latin typeface="+mn-ea"/>
+                        <a:ea typeface="+mn-ea"/>
+                      </a:endParaRPr>
                     </a:p>
                   </a:txBody>
                   <a:tcPr/>
@@ -4061,13 +4065,6 @@
               </a:tr>
               <a:tr h="370840">
                 <a:tc vMerge="1">
-                  <a:txBody>
-                    <a:bodyPr/>
-                    <a:lstStyle/>
-                    <a:p>
-                      <a:endParaRPr lang="zh-CN" altLang="en-US" dirty="0"/>
-                    </a:p>
-                  </a:txBody>
                   <a:tcPr/>
                 </a:tc>
                 <a:tc>
@@ -4103,7 +4100,6 @@
                         <a:buSzTx/>
                         <a:buFontTx/>
                         <a:buNone/>
-                        <a:tabLst/>
                         <a:defRPr/>
                       </a:pPr>
                       <a:r>
@@ -4188,13 +4184,6 @@
               </a:tr>
               <a:tr h="370840">
                 <a:tc vMerge="1">
-                  <a:txBody>
-                    <a:bodyPr/>
-                    <a:lstStyle/>
-                    <a:p>
-                      <a:endParaRPr lang="zh-CN" altLang="en-US" dirty="0"/>
-                    </a:p>
-                  </a:txBody>
                   <a:tcPr/>
                 </a:tc>
                 <a:tc>
@@ -4393,6 +4382,10 @@
                         </a:rPr>
                         <a:t>’</a:t>
                       </a:r>
+                      <a:endParaRPr lang="en-US" altLang="zh-CN" baseline="0" dirty="0" smtClean="0">
+                        <a:latin typeface="+mn-ea"/>
+                        <a:ea typeface="+mn-ea"/>
+                      </a:endParaRPr>
                     </a:p>
                     <a:p>
                       <a:r>
@@ -4475,13 +4468,6 @@
               </a:tr>
               <a:tr h="370840">
                 <a:tc vMerge="1">
-                  <a:txBody>
-                    <a:bodyPr/>
-                    <a:lstStyle/>
-                    <a:p>
-                      <a:endParaRPr lang="zh-CN" altLang="en-US" dirty="0"/>
-                    </a:p>
-                  </a:txBody>
                   <a:tcPr/>
                 </a:tc>
                 <a:tc>
@@ -4572,11 +4558,6 @@
         </p:txBody>
       </p:sp>
     </p:spTree>
-    <p:extLst>
-      <p:ext uri="{BB962C8B-B14F-4D97-AF65-F5344CB8AC3E}">
-        <p14:creationId xmlns:p14="http://schemas.microsoft.com/office/powerpoint/2010/main" val="1943729374"/>
-      </p:ext>
-    </p:extLst>
   </p:cSld>
   <p:clrMapOvr>
     <a:masterClrMapping/>
@@ -4659,11 +4640,6 @@
         </p:txBody>
       </p:sp>
     </p:spTree>
-    <p:extLst>
-      <p:ext uri="{BB962C8B-B14F-4D97-AF65-F5344CB8AC3E}">
-        <p14:creationId xmlns:p14="http://schemas.microsoft.com/office/powerpoint/2010/main" val="1398246678"/>
-      </p:ext>
-    </p:extLst>
   </p:cSld>
   <p:clrMapOvr>
     <a:masterClrMapping/>
@@ -4762,11 +4738,6 @@
         </p:txBody>
       </p:sp>
     </p:spTree>
-    <p:extLst>
-      <p:ext uri="{BB962C8B-B14F-4D97-AF65-F5344CB8AC3E}">
-        <p14:creationId xmlns:p14="http://schemas.microsoft.com/office/powerpoint/2010/main" val="1756074472"/>
-      </p:ext>
-    </p:extLst>
   </p:cSld>
   <p:clrMapOvr>
     <a:masterClrMapping/>
@@ -5230,11 +5201,6 @@
         </p:txBody>
       </p:sp>
     </p:spTree>
-    <p:extLst>
-      <p:ext uri="{BB962C8B-B14F-4D97-AF65-F5344CB8AC3E}">
-        <p14:creationId xmlns:p14="http://schemas.microsoft.com/office/powerpoint/2010/main" val="3955611980"/>
-      </p:ext>
-    </p:extLst>
   </p:cSld>
   <p:clrMapOvr>
     <a:masterClrMapping/>
@@ -5373,12 +5339,9 @@
             </a:r>
             <a:r>
               <a:rPr lang="en-US" altLang="zh-CN" dirty="0" smtClean="0"/>
-              <a:t>&lt;button</a:t>
-            </a:r>
-            <a:r>
-              <a:rPr lang="en-US" altLang="zh-CN" dirty="0" smtClean="0"/>
-              <a:t>&gt;</a:t>
-            </a:r>
+              <a:t>&lt;button&gt;</a:t>
+            </a:r>
+            <a:endParaRPr lang="en-US" altLang="zh-CN" dirty="0" smtClean="0"/>
           </a:p>
           <a:p>
             <a:r>
@@ -5412,6 +5375,7 @@
               <a:rPr lang="zh-CN" altLang="en-US" dirty="0"/>
               <a:t>表单</a:t>
             </a:r>
+            <a:endParaRPr lang="zh-CN" altLang="en-US" dirty="0"/>
           </a:p>
         </p:txBody>
       </p:sp>
@@ -5424,7 +5388,7 @@
           <p:nvPr/>
         </p:nvPicPr>
         <p:blipFill>
-          <a:blip r:embed="rId2">
+          <a:blip r:embed="rId1">
             <a:extLst>
               <a:ext uri="{28A0092B-C50C-407E-A947-70E740481C1C}">
                 <a14:useLocalDpi xmlns:a14="http://schemas.microsoft.com/office/drawing/2010/main" val="0"/>
@@ -5446,11 +5410,6 @@
         </p:spPr>
       </p:pic>
     </p:spTree>
-    <p:extLst>
-      <p:ext uri="{BB962C8B-B14F-4D97-AF65-F5344CB8AC3E}">
-        <p14:creationId xmlns:p14="http://schemas.microsoft.com/office/powerpoint/2010/main" val="836603502"/>
-      </p:ext>
-    </p:extLst>
   </p:cSld>
   <p:clrMapOvr>
     <a:masterClrMapping/>
@@ -5640,7 +5599,7 @@
           <p:nvPr/>
         </p:nvPicPr>
         <p:blipFill>
-          <a:blip r:embed="rId2">
+          <a:blip r:embed="rId1">
             <a:extLst>
               <a:ext uri="{28A0092B-C50C-407E-A947-70E740481C1C}">
                 <a14:useLocalDpi xmlns:a14="http://schemas.microsoft.com/office/drawing/2010/main" val="0"/>
@@ -5754,11 +5713,6 @@
         </p:txBody>
       </p:sp>
     </p:spTree>
-    <p:extLst>
-      <p:ext uri="{BB962C8B-B14F-4D97-AF65-F5344CB8AC3E}">
-        <p14:creationId xmlns:p14="http://schemas.microsoft.com/office/powerpoint/2010/main" val="1980866438"/>
-      </p:ext>
-    </p:extLst>
   </p:cSld>
   <p:clrMapOvr>
     <a:masterClrMapping/>
@@ -6087,11 +6041,6 @@
         </p:txBody>
       </p:sp>
     </p:spTree>
-    <p:extLst>
-      <p:ext uri="{BB962C8B-B14F-4D97-AF65-F5344CB8AC3E}">
-        <p14:creationId xmlns:p14="http://schemas.microsoft.com/office/powerpoint/2010/main" val="478720968"/>
-      </p:ext>
-    </p:extLst>
   </p:cSld>
   <p:clrMapOvr>
     <a:masterClrMapping/>
@@ -6171,6 +6120,7 @@
               <a:rPr lang="en-US" altLang="zh-CN" dirty="0" smtClean="0"/>
               <a:t> frm1 = document.forms.frm1;</a:t>
             </a:r>
+            <a:endParaRPr lang="en-US" altLang="zh-CN" dirty="0" smtClean="0"/>
           </a:p>
           <a:p>
             <a:pPr lvl="1"/>
@@ -6182,6 +6132,7 @@
               <a:rPr lang="en-US" altLang="zh-CN" dirty="0" smtClean="0"/>
               <a:t> frm1 = document.frm1;</a:t>
             </a:r>
+            <a:endParaRPr lang="en-US" altLang="zh-CN" dirty="0" smtClean="0"/>
           </a:p>
           <a:p>
             <a:r>
@@ -6212,6 +6163,7 @@
               <a:rPr lang="en-US" altLang="zh-CN" dirty="0" smtClean="0"/>
               <a:t>[0];</a:t>
             </a:r>
+            <a:endParaRPr lang="en-US" altLang="zh-CN" dirty="0" smtClean="0"/>
           </a:p>
           <a:p>
             <a:pPr lvl="1"/>
@@ -6326,11 +6278,6 @@
         </p:txBody>
       </p:sp>
     </p:spTree>
-    <p:extLst>
-      <p:ext uri="{BB962C8B-B14F-4D97-AF65-F5344CB8AC3E}">
-        <p14:creationId xmlns:p14="http://schemas.microsoft.com/office/powerpoint/2010/main" val="1520106410"/>
-      </p:ext>
-    </p:extLst>
   </p:cSld>
   <p:clrMapOvr>
     <a:masterClrMapping/>
@@ -6892,16 +6839,13 @@
                   <a:srgbClr val="FF0000"/>
                 </a:solidFill>
               </a:rPr>
-              <a:t>[ </a:t>
-            </a:r>
-            <a:r>
-              <a:rPr lang="en-US" altLang="zh-CN" dirty="0" smtClean="0">
-                <a:solidFill>
-                  <a:srgbClr val="FF0000"/>
-                </a:solidFill>
-              </a:rPr>
-              <a:t>]</a:t>
-            </a:r>
+              <a:t>[ ]</a:t>
+            </a:r>
+            <a:endParaRPr lang="en-US" altLang="zh-CN" dirty="0" smtClean="0">
+              <a:solidFill>
+                <a:srgbClr val="FF0000"/>
+              </a:solidFill>
+            </a:endParaRPr>
           </a:p>
           <a:p>
             <a:pPr marL="168275" lvl="1" indent="0">
@@ -7037,7 +6981,7 @@
           <p:nvPr/>
         </p:nvPicPr>
         <p:blipFill>
-          <a:blip r:embed="rId2">
+          <a:blip r:embed="rId1">
             <a:extLst>
               <a:ext uri="{28A0092B-C50C-407E-A947-70E740481C1C}">
                 <a14:useLocalDpi xmlns:a14="http://schemas.microsoft.com/office/drawing/2010/main" val="0"/>
@@ -7146,11 +7090,6 @@
         </p:txBody>
       </p:sp>
     </p:spTree>
-    <p:extLst>
-      <p:ext uri="{BB962C8B-B14F-4D97-AF65-F5344CB8AC3E}">
-        <p14:creationId xmlns:p14="http://schemas.microsoft.com/office/powerpoint/2010/main" val="2515173912"/>
-      </p:ext>
-    </p:extLst>
   </p:cSld>
   <p:clrMapOvr>
     <a:masterClrMapping/>
@@ -7250,7 +7189,7 @@
           <p:nvPr/>
         </p:nvPicPr>
         <p:blipFill>
-          <a:blip r:embed="rId2">
+          <a:blip r:embed="rId1">
             <a:extLst>
               <a:ext uri="{28A0092B-C50C-407E-A947-70E740481C1C}">
                 <a14:useLocalDpi xmlns:a14="http://schemas.microsoft.com/office/drawing/2010/main" val="0"/>
@@ -7296,11 +7235,6 @@
         </p:spPr>
       </p:pic>
     </p:spTree>
-    <p:extLst>
-      <p:ext uri="{BB962C8B-B14F-4D97-AF65-F5344CB8AC3E}">
-        <p14:creationId xmlns:p14="http://schemas.microsoft.com/office/powerpoint/2010/main" val="3325691876"/>
-      </p:ext>
-    </p:extLst>
   </p:cSld>
   <p:clrMapOvr>
     <a:masterClrMapping/>
@@ -7396,7 +7330,7 @@
           <p:nvPr/>
         </p:nvPicPr>
         <p:blipFill>
-          <a:blip r:embed="rId2">
+          <a:blip r:embed="rId1">
             <a:extLst>
               <a:ext uri="{28A0092B-C50C-407E-A947-70E740481C1C}">
                 <a14:useLocalDpi xmlns:a14="http://schemas.microsoft.com/office/drawing/2010/main" val="0"/>
@@ -7480,11 +7414,6 @@
         </p:txBody>
       </p:sp>
     </p:spTree>
-    <p:extLst>
-      <p:ext uri="{BB962C8B-B14F-4D97-AF65-F5344CB8AC3E}">
-        <p14:creationId xmlns:p14="http://schemas.microsoft.com/office/powerpoint/2010/main" val="2673033783"/>
-      </p:ext>
-    </p:extLst>
   </p:cSld>
   <p:clrMapOvr>
     <a:masterClrMapping/>
@@ -7570,12 +7499,9 @@
             </a:r>
             <a:r>
               <a:rPr lang="en-US" altLang="zh-CN" dirty="0" smtClean="0"/>
-              <a:t>[ </a:t>
-            </a:r>
-            <a:r>
-              <a:rPr lang="en-US" altLang="zh-CN" dirty="0" smtClean="0"/>
-              <a:t>]</a:t>
-            </a:r>
+              <a:t>[ ]</a:t>
+            </a:r>
+            <a:endParaRPr lang="en-US" altLang="zh-CN" dirty="0" smtClean="0"/>
           </a:p>
           <a:p>
             <a:pPr lvl="1"/>
@@ -7683,7 +7609,7 @@
           <p:nvPr/>
         </p:nvPicPr>
         <p:blipFill>
-          <a:blip r:embed="rId2">
+          <a:blip r:embed="rId1">
             <a:extLst>
               <a:ext uri="{28A0092B-C50C-407E-A947-70E740481C1C}">
                 <a14:useLocalDpi xmlns:a14="http://schemas.microsoft.com/office/drawing/2010/main" val="0"/>
@@ -7792,11 +7718,6 @@
         </p:txBody>
       </p:sp>
     </p:spTree>
-    <p:extLst>
-      <p:ext uri="{BB962C8B-B14F-4D97-AF65-F5344CB8AC3E}">
-        <p14:creationId xmlns:p14="http://schemas.microsoft.com/office/powerpoint/2010/main" val="1271341338"/>
-      </p:ext>
-    </p:extLst>
   </p:cSld>
   <p:clrMapOvr>
     <a:masterClrMapping/>
@@ -7892,7 +7813,7 @@
           <p:nvPr/>
         </p:nvPicPr>
         <p:blipFill>
-          <a:blip r:embed="rId2">
+          <a:blip r:embed="rId1">
             <a:extLst>
               <a:ext uri="{28A0092B-C50C-407E-A947-70E740481C1C}">
                 <a14:useLocalDpi xmlns:a14="http://schemas.microsoft.com/office/drawing/2010/main" val="0"/>
@@ -7984,11 +7905,6 @@
         </p:txBody>
       </p:sp>
     </p:spTree>
-    <p:extLst>
-      <p:ext uri="{BB962C8B-B14F-4D97-AF65-F5344CB8AC3E}">
-        <p14:creationId xmlns:p14="http://schemas.microsoft.com/office/powerpoint/2010/main" val="346667274"/>
-      </p:ext>
-    </p:extLst>
   </p:cSld>
   <p:clrMapOvr>
     <a:masterClrMapping/>
@@ -8075,7 +7991,7 @@
           <p:nvPr/>
         </p:nvPicPr>
         <p:blipFill>
-          <a:blip r:embed="rId2">
+          <a:blip r:embed="rId1">
             <a:extLst>
               <a:ext uri="{28A0092B-C50C-407E-A947-70E740481C1C}">
                 <a14:useLocalDpi xmlns:a14="http://schemas.microsoft.com/office/drawing/2010/main" val="0"/>
@@ -8121,11 +8037,6 @@
         </p:spPr>
       </p:pic>
     </p:spTree>
-    <p:extLst>
-      <p:ext uri="{BB962C8B-B14F-4D97-AF65-F5344CB8AC3E}">
-        <p14:creationId xmlns:p14="http://schemas.microsoft.com/office/powerpoint/2010/main" val="602556129"/>
-      </p:ext>
-    </p:extLst>
   </p:cSld>
   <p:clrMapOvr>
     <a:masterClrMapping/>
@@ -8220,7 +8131,7 @@
           <p:nvPr/>
         </p:nvPicPr>
         <p:blipFill>
-          <a:blip r:embed="rId2">
+          <a:blip r:embed="rId1">
             <a:extLst>
               <a:ext uri="{28A0092B-C50C-407E-A947-70E740481C1C}">
                 <a14:useLocalDpi xmlns:a14="http://schemas.microsoft.com/office/drawing/2010/main" val="0"/>
@@ -8274,7 +8185,7 @@
           <p:nvPr/>
         </p:nvPicPr>
         <p:blipFill>
-          <a:blip r:embed="rId3">
+          <a:blip r:embed="rId2">
             <a:extLst>
               <a:ext uri="{28A0092B-C50C-407E-A947-70E740481C1C}">
                 <a14:useLocalDpi xmlns:a14="http://schemas.microsoft.com/office/drawing/2010/main" val="0"/>
@@ -8328,7 +8239,7 @@
           <p:nvPr/>
         </p:nvPicPr>
         <p:blipFill>
-          <a:blip r:embed="rId4">
+          <a:blip r:embed="rId3">
             <a:extLst>
               <a:ext uri="{28A0092B-C50C-407E-A947-70E740481C1C}">
                 <a14:useLocalDpi xmlns:a14="http://schemas.microsoft.com/office/drawing/2010/main" val="0"/>
@@ -8382,7 +8293,7 @@
           <p:nvPr/>
         </p:nvPicPr>
         <p:blipFill>
-          <a:blip r:embed="rId5">
+          <a:blip r:embed="rId4">
             <a:extLst>
               <a:ext uri="{28A0092B-C50C-407E-A947-70E740481C1C}">
                 <a14:useLocalDpi xmlns:a14="http://schemas.microsoft.com/office/drawing/2010/main" val="0"/>
@@ -8436,7 +8347,7 @@
           <p:nvPr/>
         </p:nvPicPr>
         <p:blipFill>
-          <a:blip r:embed="rId6">
+          <a:blip r:embed="rId5">
             <a:extLst>
               <a:ext uri="{28A0092B-C50C-407E-A947-70E740481C1C}">
                 <a14:useLocalDpi xmlns:a14="http://schemas.microsoft.com/office/drawing/2010/main" val="0"/>
@@ -8490,7 +8401,7 @@
           <p:nvPr/>
         </p:nvPicPr>
         <p:blipFill>
-          <a:blip r:embed="rId7">
+          <a:blip r:embed="rId6">
             <a:extLst>
               <a:ext uri="{28A0092B-C50C-407E-A947-70E740481C1C}">
                 <a14:useLocalDpi xmlns:a14="http://schemas.microsoft.com/office/drawing/2010/main" val="0"/>
@@ -8544,7 +8455,7 @@
           <p:nvPr/>
         </p:nvPicPr>
         <p:blipFill>
-          <a:blip r:embed="rId8">
+          <a:blip r:embed="rId7">
             <a:extLst>
               <a:ext uri="{28A0092B-C50C-407E-A947-70E740481C1C}">
                 <a14:useLocalDpi xmlns:a14="http://schemas.microsoft.com/office/drawing/2010/main" val="0"/>
@@ -8598,7 +8509,7 @@
           <p:nvPr/>
         </p:nvPicPr>
         <p:blipFill>
-          <a:blip r:embed="rId9">
+          <a:blip r:embed="rId8">
             <a:extLst>
               <a:ext uri="{28A0092B-C50C-407E-A947-70E740481C1C}">
                 <a14:useLocalDpi xmlns:a14="http://schemas.microsoft.com/office/drawing/2010/main" val="0"/>
@@ -8652,7 +8563,7 @@
           <p:nvPr/>
         </p:nvPicPr>
         <p:blipFill>
-          <a:blip r:embed="rId10">
+          <a:blip r:embed="rId9">
             <a:extLst>
               <a:ext uri="{28A0092B-C50C-407E-A947-70E740481C1C}">
                 <a14:useLocalDpi xmlns:a14="http://schemas.microsoft.com/office/drawing/2010/main" val="0"/>
@@ -8706,7 +8617,7 @@
           <p:nvPr/>
         </p:nvPicPr>
         <p:blipFill>
-          <a:blip r:embed="rId11">
+          <a:blip r:embed="rId10">
             <a:extLst>
               <a:ext uri="{28A0092B-C50C-407E-A947-70E740481C1C}">
                 <a14:useLocalDpi xmlns:a14="http://schemas.microsoft.com/office/drawing/2010/main" val="0"/>
@@ -9140,11 +9051,6 @@
         </p:txBody>
       </p:sp>
     </p:spTree>
-    <p:extLst>
-      <p:ext uri="{BB962C8B-B14F-4D97-AF65-F5344CB8AC3E}">
-        <p14:creationId xmlns:p14="http://schemas.microsoft.com/office/powerpoint/2010/main" val="652760751"/>
-      </p:ext>
-    </p:extLst>
   </p:cSld>
   <p:clrMapOvr>
     <a:masterClrMapping/>
@@ -9328,6 +9234,7 @@
               <a:rPr lang="en-US" altLang="zh-CN" dirty="0" smtClean="0"/>
               <a:t>");</a:t>
             </a:r>
+            <a:endParaRPr lang="en-US" altLang="zh-CN" dirty="0" smtClean="0"/>
           </a:p>
           <a:p>
             <a:pPr marL="168275" lvl="1" indent="0">
@@ -9361,6 +9268,7 @@
               <a:rPr lang="en-US" altLang="zh-CN" dirty="0" smtClean="0"/>
               <a:t>;  </a:t>
             </a:r>
+            <a:endParaRPr lang="en-US" altLang="zh-CN" dirty="0" smtClean="0"/>
           </a:p>
           <a:p>
             <a:pPr marL="168275" lvl="1" indent="0">
@@ -9473,11 +9381,6 @@
         </p:txBody>
       </p:sp>
     </p:spTree>
-    <p:extLst>
-      <p:ext uri="{BB962C8B-B14F-4D97-AF65-F5344CB8AC3E}">
-        <p14:creationId xmlns:p14="http://schemas.microsoft.com/office/powerpoint/2010/main" val="3478414288"/>
-      </p:ext>
-    </p:extLst>
   </p:cSld>
   <p:clrMapOvr>
     <a:masterClrMapping/>
@@ -9600,11 +9503,6 @@
         </p:txBody>
       </p:sp>
     </p:spTree>
-    <p:extLst>
-      <p:ext uri="{BB962C8B-B14F-4D97-AF65-F5344CB8AC3E}">
-        <p14:creationId xmlns:p14="http://schemas.microsoft.com/office/powerpoint/2010/main" val="955469034"/>
-      </p:ext>
-    </p:extLst>
   </p:cSld>
   <p:clrMapOvr>
     <a:masterClrMapping/>
@@ -9645,7 +9543,7 @@
           <p:nvPr/>
         </p:nvPicPr>
         <p:blipFill>
-          <a:blip r:embed="rId2">
+          <a:blip r:embed="rId1">
             <a:extLst>
               <a:ext uri="{28A0092B-C50C-407E-A947-70E740481C1C}">
                 <a14:useLocalDpi xmlns:a14="http://schemas.microsoft.com/office/drawing/2010/main" val="0"/>
@@ -9763,7 +9661,7 @@
           <p:nvPr/>
         </p:nvPicPr>
         <p:blipFill>
-          <a:blip r:embed="rId3">
+          <a:blip r:embed="rId2">
             <a:extLst>
               <a:ext uri="{28A0092B-C50C-407E-A947-70E740481C1C}">
                 <a14:useLocalDpi xmlns:a14="http://schemas.microsoft.com/office/drawing/2010/main" val="0"/>
@@ -9809,11 +9707,6 @@
         </p:spPr>
       </p:pic>
     </p:spTree>
-    <p:extLst>
-      <p:ext uri="{BB962C8B-B14F-4D97-AF65-F5344CB8AC3E}">
-        <p14:creationId xmlns:p14="http://schemas.microsoft.com/office/powerpoint/2010/main" val="2003790394"/>
-      </p:ext>
-    </p:extLst>
   </p:cSld>
   <p:clrMapOvr>
     <a:masterClrMapping/>
@@ -10143,6 +10036,11 @@
               </a:rPr>
               <a:t>父子层次关系</a:t>
             </a:r>
+            <a:endParaRPr lang="zh-CN" altLang="en-US" dirty="0" smtClean="0">
+              <a:solidFill>
+                <a:srgbClr val="FF0000"/>
+              </a:solidFill>
+            </a:endParaRPr>
           </a:p>
         </p:txBody>
       </p:sp>
@@ -10904,7 +10802,7 @@
           <p:nvPr/>
         </p:nvPicPr>
         <p:blipFill>
-          <a:blip r:embed="rId3">
+          <a:blip r:embed="rId1">
             <a:extLst>
               <a:ext uri="{28A0092B-C50C-407E-A947-70E740481C1C}">
                 <a14:useLocalDpi xmlns:a14="http://schemas.microsoft.com/office/drawing/2010/main" val="0"/>
@@ -10950,11 +10848,6 @@
         </p:spPr>
       </p:pic>
     </p:spTree>
-    <p:extLst>
-      <p:ext uri="{BB962C8B-B14F-4D97-AF65-F5344CB8AC3E}">
-        <p14:creationId xmlns:p14="http://schemas.microsoft.com/office/powerpoint/2010/main" val="3837789445"/>
-      </p:ext>
-    </p:extLst>
   </p:cSld>
   <p:clrMapOvr>
     <a:masterClrMapping/>
@@ -11062,16 +10955,8 @@
       <p:graphicFrame>
         <p:nvGraphicFramePr>
           <p:cNvPr id="5" name="内容占位符 3"/>
-          <p:cNvGraphicFramePr>
-            <a:graphicFrameLocks/>
-          </p:cNvGraphicFramePr>
-          <p:nvPr>
-            <p:extLst>
-              <p:ext uri="{D42A27DB-BD31-4B8C-83A1-F6EECF244321}">
-                <p14:modId xmlns:p14="http://schemas.microsoft.com/office/powerpoint/2010/main" val="606171141"/>
-              </p:ext>
-            </p:extLst>
-          </p:nvPr>
+          <p:cNvGraphicFramePr/>
+          <p:nvPr/>
         </p:nvGraphicFramePr>
         <p:xfrm>
           <a:off x="765558" y="2206710"/>
@@ -11204,13 +11089,6 @@
               </a:tr>
               <a:tr h="370840">
                 <a:tc vMerge="1">
-                  <a:txBody>
-                    <a:bodyPr/>
-                    <a:lstStyle/>
-                    <a:p>
-                      <a:endParaRPr lang="zh-CN" altLang="en-US" dirty="0"/>
-                    </a:p>
-                  </a:txBody>
                   <a:tcPr/>
                 </a:tc>
                 <a:tc>
@@ -11274,13 +11152,6 @@
               </a:tr>
               <a:tr h="370840">
                 <a:tc vMerge="1">
-                  <a:txBody>
-                    <a:bodyPr/>
-                    <a:lstStyle/>
-                    <a:p>
-                      <a:endParaRPr lang="zh-CN" altLang="en-US" dirty="0"/>
-                    </a:p>
-                  </a:txBody>
                   <a:tcPr/>
                 </a:tc>
                 <a:tc>
@@ -11344,14 +11215,6 @@
               </a:tr>
               <a:tr h="370840">
                 <a:tc vMerge="1">
-                  <a:txBody>
-                    <a:bodyPr/>
-                    <a:lstStyle/>
-                    <a:p>
-                      <a:pPr algn="l"/>
-                      <a:endParaRPr lang="zh-CN" altLang="en-US" dirty="0"/>
-                    </a:p>
-                  </a:txBody>
                   <a:tcPr/>
                 </a:tc>
                 <a:tc>
@@ -11563,13 +11426,6 @@
               </a:tr>
               <a:tr h="370840">
                 <a:tc vMerge="1">
-                  <a:txBody>
-                    <a:bodyPr/>
-                    <a:lstStyle/>
-                    <a:p>
-                      <a:endParaRPr lang="zh-CN" altLang="en-US" dirty="0"/>
-                    </a:p>
-                  </a:txBody>
                   <a:tcPr/>
                 </a:tc>
                 <a:tc>
@@ -11629,13 +11485,6 @@
               </a:tr>
               <a:tr h="370840">
                 <a:tc vMerge="1">
-                  <a:txBody>
-                    <a:bodyPr/>
-                    <a:lstStyle/>
-                    <a:p>
-                      <a:endParaRPr lang="zh-CN" altLang="en-US" dirty="0"/>
-                    </a:p>
-                  </a:txBody>
                   <a:tcPr/>
                 </a:tc>
                 <a:tc>
@@ -11731,11 +11580,6 @@
         </a:graphic>
       </p:graphicFrame>
     </p:spTree>
-    <p:extLst>
-      <p:ext uri="{BB962C8B-B14F-4D97-AF65-F5344CB8AC3E}">
-        <p14:creationId xmlns:p14="http://schemas.microsoft.com/office/powerpoint/2010/main" val="2878533014"/>
-      </p:ext>
-    </p:extLst>
   </p:cSld>
   <p:clrMapOvr>
     <a:masterClrMapping/>
@@ -12031,11 +11875,7 @@
             </a:r>
             <a:r>
               <a:rPr lang="zh-CN" altLang="en-US" dirty="0" smtClean="0"/>
-              <a:t>作为</a:t>
-            </a:r>
-            <a:r>
-              <a:rPr lang="zh-CN" altLang="en-US" dirty="0" smtClean="0"/>
-              <a:t>元素树的遍历</a:t>
+              <a:t>作为元素树的遍历</a:t>
             </a:r>
             <a:endParaRPr lang="en-US" altLang="zh-CN" dirty="0" smtClean="0"/>
           </a:p>
@@ -12055,6 +11895,7 @@
               <a:rPr lang="zh-CN" altLang="en-US" dirty="0" smtClean="0"/>
               <a:t>标签元素为最小单位</a:t>
             </a:r>
+            <a:endParaRPr lang="zh-CN" altLang="en-US" dirty="0" smtClean="0"/>
           </a:p>
         </p:txBody>
       </p:sp>
@@ -12094,7 +11935,7 @@
           <p:nvPr/>
         </p:nvPicPr>
         <p:blipFill>
-          <a:blip r:embed="rId2">
+          <a:blip r:embed="rId1">
             <a:extLst>
               <a:ext uri="{28A0092B-C50C-407E-A947-70E740481C1C}">
                 <a14:useLocalDpi xmlns:a14="http://schemas.microsoft.com/office/drawing/2010/main" val="0"/>
@@ -12140,11 +11981,6 @@
         </p:spPr>
       </p:pic>
     </p:spTree>
-    <p:extLst>
-      <p:ext uri="{BB962C8B-B14F-4D97-AF65-F5344CB8AC3E}">
-        <p14:creationId xmlns:p14="http://schemas.microsoft.com/office/powerpoint/2010/main" val="2016048591"/>
-      </p:ext>
-    </p:extLst>
   </p:cSld>
   <p:clrMapOvr>
     <a:masterClrMapping/>
@@ -12199,6 +12035,7 @@
               <a:rPr lang="zh-CN" altLang="en-US" dirty="0"/>
               <a:t>节点访问</a:t>
             </a:r>
+            <a:endParaRPr lang="zh-CN" altLang="en-US" dirty="0"/>
           </a:p>
           <a:p>
             <a:endParaRPr lang="zh-CN" altLang="en-US" dirty="0"/>
@@ -12253,11 +12090,7 @@
             </a:r>
             <a:r>
               <a:rPr lang="zh-CN" altLang="en-US" dirty="0" smtClean="0"/>
-              <a:t>作为</a:t>
-            </a:r>
-            <a:r>
-              <a:rPr lang="zh-CN" altLang="en-US" dirty="0" smtClean="0"/>
-              <a:t>节点树的遍历</a:t>
+              <a:t>作为节点树的遍历</a:t>
             </a:r>
             <a:endParaRPr lang="en-US" altLang="zh-CN" dirty="0" smtClean="0"/>
           </a:p>
@@ -12300,7 +12133,7 @@
           <p:nvPr/>
         </p:nvPicPr>
         <p:blipFill>
-          <a:blip r:embed="rId2">
+          <a:blip r:embed="rId1">
             <a:extLst>
               <a:ext uri="{28A0092B-C50C-407E-A947-70E740481C1C}">
                 <a14:useLocalDpi xmlns:a14="http://schemas.microsoft.com/office/drawing/2010/main" val="0"/>
@@ -12322,11 +12155,6 @@
         </p:spPr>
       </p:pic>
     </p:spTree>
-    <p:extLst>
-      <p:ext uri="{BB962C8B-B14F-4D97-AF65-F5344CB8AC3E}">
-        <p14:creationId xmlns:p14="http://schemas.microsoft.com/office/powerpoint/2010/main" val="666441979"/>
-      </p:ext>
-    </p:extLst>
   </p:cSld>
   <p:clrMapOvr>
     <a:masterClrMapping/>
@@ -12380,11 +12208,7 @@
           <a:p>
             <a:r>
               <a:rPr lang="zh-CN" altLang="en-US" dirty="0" smtClean="0"/>
-              <a:t>通过节点关系获取节点的操作方法分两</a:t>
-            </a:r>
-            <a:r>
-              <a:rPr lang="zh-CN" altLang="en-US" dirty="0" smtClean="0"/>
-              <a:t>类</a:t>
+              <a:t>通过节点关系获取节点的操作方法分两类</a:t>
             </a:r>
             <a:endParaRPr lang="en-US" altLang="zh-CN" dirty="0" smtClean="0"/>
           </a:p>
@@ -12441,13 +12265,7 @@
           <p:cNvGraphicFramePr>
             <a:graphicFrameLocks noGrp="1"/>
           </p:cNvGraphicFramePr>
-          <p:nvPr>
-            <p:extLst>
-              <p:ext uri="{D42A27DB-BD31-4B8C-83A1-F6EECF244321}">
-                <p14:modId xmlns:p14="http://schemas.microsoft.com/office/powerpoint/2010/main" val="1310138569"/>
-              </p:ext>
-            </p:extLst>
-          </p:nvPr>
+          <p:nvPr/>
         </p:nvGraphicFramePr>
         <p:xfrm>
           <a:off x="549459" y="2203325"/>
@@ -12560,7 +12378,6 @@
                         <a:buSzTx/>
                         <a:buFontTx/>
                         <a:buNone/>
-                        <a:tabLst/>
                         <a:defRPr/>
                       </a:pPr>
                       <a:r>
@@ -12680,13 +12497,6 @@
               </a:tr>
               <a:tr h="504231">
                 <a:tc vMerge="1">
-                  <a:txBody>
-                    <a:bodyPr/>
-                    <a:lstStyle/>
-                    <a:p>
-                      <a:endParaRPr lang="zh-CN" altLang="en-US" dirty="0"/>
-                    </a:p>
-                  </a:txBody>
                   <a:tcPr/>
                 </a:tc>
                 <a:tc>
@@ -12722,7 +12532,6 @@
                         <a:buSzTx/>
                         <a:buFontTx/>
                         <a:buNone/>
-                        <a:tabLst/>
                         <a:defRPr/>
                       </a:pPr>
                       <a:r>
@@ -12824,7 +12633,6 @@
                         <a:buSzTx/>
                         <a:buFontTx/>
                         <a:buNone/>
-                        <a:tabLst/>
                         <a:defRPr/>
                       </a:pPr>
                       <a:r>
@@ -12861,13 +12669,6 @@
               </a:tr>
               <a:tr h="504231">
                 <a:tc vMerge="1">
-                  <a:txBody>
-                    <a:bodyPr/>
-                    <a:lstStyle/>
-                    <a:p>
-                      <a:endParaRPr lang="zh-CN" altLang="en-US" dirty="0"/>
-                    </a:p>
-                  </a:txBody>
                   <a:tcPr/>
                 </a:tc>
                 <a:tc>
@@ -12950,7 +12751,6 @@
                         <a:buSzTx/>
                         <a:buFontTx/>
                         <a:buNone/>
-                        <a:tabLst/>
                         <a:defRPr/>
                       </a:pPr>
                       <a:r>
@@ -13037,13 +12837,6 @@
               </a:tr>
               <a:tr h="504231">
                 <a:tc vMerge="1">
-                  <a:txBody>
-                    <a:bodyPr/>
-                    <a:lstStyle/>
-                    <a:p>
-                      <a:endParaRPr lang="zh-CN" altLang="en-US" dirty="0"/>
-                    </a:p>
-                  </a:txBody>
                   <a:tcPr/>
                 </a:tc>
                 <a:tc>
@@ -13079,7 +12872,6 @@
                         <a:buSzTx/>
                         <a:buFontTx/>
                         <a:buNone/>
-                        <a:tabLst/>
                         <a:defRPr/>
                       </a:pPr>
                       <a:r>
@@ -13117,11 +12909,6 @@
         </a:graphic>
       </p:graphicFrame>
     </p:spTree>
-    <p:extLst>
-      <p:ext uri="{BB962C8B-B14F-4D97-AF65-F5344CB8AC3E}">
-        <p14:creationId xmlns:p14="http://schemas.microsoft.com/office/powerpoint/2010/main" val="2631359273"/>
-      </p:ext>
-    </p:extLst>
   </p:cSld>
   <p:clrMapOvr>
     <a:masterClrMapping/>
@@ -13304,6 +13091,11 @@
               </a:rPr>
               <a:t>&gt;</a:t>
             </a:r>
+            <a:endParaRPr lang="en-US" altLang="zh-CN" sz="2600" dirty="0" smtClean="0">
+              <a:solidFill>
+                <a:schemeClr val="tx1"/>
+              </a:solidFill>
+            </a:endParaRPr>
           </a:p>
           <a:p>
             <a:r>
@@ -13356,6 +13148,11 @@
               </a:rPr>
               <a:t>(‘h1’)[0].children;</a:t>
             </a:r>
+            <a:endParaRPr lang="en-US" altLang="zh-CN" sz="2600" dirty="0" smtClean="0">
+              <a:solidFill>
+                <a:schemeClr val="tx1"/>
+              </a:solidFill>
+            </a:endParaRPr>
           </a:p>
           <a:p>
             <a:pPr marL="0" indent="0">
@@ -13506,6 +13303,11 @@
               </a:rPr>
               <a:t>;</a:t>
             </a:r>
+            <a:endParaRPr lang="en-US" altLang="zh-CN" sz="2600" dirty="0" smtClean="0">
+              <a:solidFill>
+                <a:schemeClr val="tx1"/>
+              </a:solidFill>
+            </a:endParaRPr>
           </a:p>
           <a:p>
             <a:pPr marL="0" indent="0">
@@ -13686,11 +13488,6 @@
         </p:txBody>
       </p:sp>
     </p:spTree>
-    <p:extLst>
-      <p:ext uri="{BB962C8B-B14F-4D97-AF65-F5344CB8AC3E}">
-        <p14:creationId xmlns:p14="http://schemas.microsoft.com/office/powerpoint/2010/main" val="3200678450"/>
-      </p:ext>
-    </p:extLst>
   </p:cSld>
   <p:clrMapOvr>
     <a:masterClrMapping/>
@@ -14039,10 +13836,9 @@
       </a:lstStyle>
     </a:lnDef>
   </a:objectDefaults>
-  <a:extraClrSchemeLst/>
   <a:extLst>
     <a:ext uri="{05A4C25C-085E-4340-85A3-A5531E510DB2}">
-      <thm15:themeFamily xmlns:thm15="http://schemas.microsoft.com/office/thememl/2012/main" xmlns="" name="Office Theme" id="{62F939B6-93AF-4DB8-9C6B-D6C7DFDC589F}" vid="{4A3C46E8-61CC-4603-A589-7422A47A8E4A}"/>
+      <thm15:themeFamily xmlns:thm15="http://schemas.microsoft.com/office/thememl/2012/main" name="Office Theme" id="{62F939B6-93AF-4DB8-9C6B-D6C7DFDC589F}" vid="{4A3C46E8-61CC-4603-A589-7422A47A8E4A}"/>
     </a:ext>
   </a:extLst>
 </a:theme>
@@ -14326,11 +14122,9 @@
       </a:bgFillStyleLst>
     </a:fmtScheme>
   </a:themeElements>
-  <a:objectDefaults/>
-  <a:extraClrSchemeLst/>
   <a:extLst>
     <a:ext uri="{05A4C25C-085E-4340-85A3-A5531E510DB2}">
-      <thm15:themeFamily xmlns:thm15="http://schemas.microsoft.com/office/thememl/2012/main" xmlns="" name="Office Theme" id="{62F939B6-93AF-4DB8-9C6B-D6C7DFDC589F}" vid="{4A3C46E8-61CC-4603-A589-7422A47A8E4A}"/>
+      <thm15:themeFamily xmlns:thm15="http://schemas.microsoft.com/office/thememl/2012/main" name="Office Theme" id="{62F939B6-93AF-4DB8-9C6B-D6C7DFDC589F}" vid="{4A3C46E8-61CC-4603-A589-7422A47A8E4A}"/>
     </a:ext>
   </a:extLst>
 </a:theme>
